--- a/2022년 9월 15일 메타버스.pptx
+++ b/2022년 9월 15일 메타버스.pptx
@@ -117,7 +117,7 @@
   </p:defaultTextStyle>
   <p:extLst>
     <p:ext uri="{EFAFB233-063F-42B5-8137-9DF3F51BA10A}">
-      <p15:sldGuideLst xmlns:p15="http://schemas.microsoft.com/office/powerpoint/2012/main" xmlns="">
+      <p15:sldGuideLst xmlns="" xmlns:p15="http://schemas.microsoft.com/office/powerpoint/2012/main">
         <p15:guide id="1" orient="horz" pos="2160" userDrawn="1">
           <p15:clr>
             <a:srgbClr val="A4A3A4"/>
@@ -262,7 +262,7 @@
             <a:fld id="{93ABF2C0-3C9C-7D49-B24A-64CA7C2343A0}" type="datetimeFigureOut">
               <a:rPr kumimoji="1" lang="x-none" altLang="en-US" smtClean="0"/>
               <a:pPr/>
-              <a:t>2022-09-14</a:t>
+              <a:t>2022-09-15</a:t>
             </a:fld>
             <a:endParaRPr kumimoji="1" lang="x-none" altLang="en-US"/>
           </a:p>
@@ -431,7 +431,7 @@
     </p:spTree>
     <p:extLst>
       <p:ext uri="{BB962C8B-B14F-4D97-AF65-F5344CB8AC3E}">
-        <p14:creationId xmlns:p14="http://schemas.microsoft.com/office/powerpoint/2010/main" xmlns="" val="1498810409"/>
+        <p14:creationId xmlns="" xmlns:p14="http://schemas.microsoft.com/office/powerpoint/2010/main" val="1498810409"/>
       </p:ext>
     </p:extLst>
   </p:cSld>
@@ -553,7 +553,7 @@
           <p:cNvPr id="2" name="제목 1">
             <a:extLst>
               <a:ext uri="{FF2B5EF4-FFF2-40B4-BE49-F238E27FC236}">
-                <a16:creationId xmlns:a16="http://schemas.microsoft.com/office/drawing/2014/main" xmlns="" id="{D21D6D92-C733-1642-8A21-5EECDE35E1A0}"/>
+                <a16:creationId xmlns="" xmlns:a16="http://schemas.microsoft.com/office/drawing/2014/main" id="{D21D6D92-C733-1642-8A21-5EECDE35E1A0}"/>
               </a:ext>
             </a:extLst>
           </p:cNvPr>
@@ -594,7 +594,7 @@
           <p:cNvPr id="3" name="부제목 2">
             <a:extLst>
               <a:ext uri="{FF2B5EF4-FFF2-40B4-BE49-F238E27FC236}">
-                <a16:creationId xmlns:a16="http://schemas.microsoft.com/office/drawing/2014/main" xmlns="" id="{734DE295-A08A-214D-9CBE-5ED378EB32DB}"/>
+                <a16:creationId xmlns="" xmlns:a16="http://schemas.microsoft.com/office/drawing/2014/main" id="{734DE295-A08A-214D-9CBE-5ED378EB32DB}"/>
               </a:ext>
             </a:extLst>
           </p:cNvPr>
@@ -668,7 +668,7 @@
           <p:cNvPr id="4" name="날짜 개체 틀 3">
             <a:extLst>
               <a:ext uri="{FF2B5EF4-FFF2-40B4-BE49-F238E27FC236}">
-                <a16:creationId xmlns:a16="http://schemas.microsoft.com/office/drawing/2014/main" xmlns="" id="{E1CC0D3A-BA10-FC46-9C9F-8A47BEDD4F96}"/>
+                <a16:creationId xmlns="" xmlns:a16="http://schemas.microsoft.com/office/drawing/2014/main" id="{E1CC0D3A-BA10-FC46-9C9F-8A47BEDD4F96}"/>
               </a:ext>
             </a:extLst>
           </p:cNvPr>
@@ -695,7 +695,7 @@
             <a:fld id="{FE20AB6E-091C-844F-ABF9-3EF4C2336578}" type="datetimeFigureOut">
               <a:rPr kumimoji="1" lang="x-none" altLang="en-US" smtClean="0"/>
               <a:pPr/>
-              <a:t>2022-09-14</a:t>
+              <a:t>2022-09-15</a:t>
             </a:fld>
             <a:endParaRPr kumimoji="1" lang="x-none" altLang="en-US"/>
           </a:p>
@@ -706,7 +706,7 @@
           <p:cNvPr id="5" name="바닥글 개체 틀 4">
             <a:extLst>
               <a:ext uri="{FF2B5EF4-FFF2-40B4-BE49-F238E27FC236}">
-                <a16:creationId xmlns:a16="http://schemas.microsoft.com/office/drawing/2014/main" xmlns="" id="{37FE8601-FB8B-9342-AE5B-89A3E0439C70}"/>
+                <a16:creationId xmlns="" xmlns:a16="http://schemas.microsoft.com/office/drawing/2014/main" id="{37FE8601-FB8B-9342-AE5B-89A3E0439C70}"/>
               </a:ext>
             </a:extLst>
           </p:cNvPr>
@@ -739,7 +739,7 @@
           <p:cNvPr id="6" name="슬라이드 번호 개체 틀 5">
             <a:extLst>
               <a:ext uri="{FF2B5EF4-FFF2-40B4-BE49-F238E27FC236}">
-                <a16:creationId xmlns:a16="http://schemas.microsoft.com/office/drawing/2014/main" xmlns="" id="{ED058E05-17A3-BF45-B0DA-D60B846DFB4B}"/>
+                <a16:creationId xmlns="" xmlns:a16="http://schemas.microsoft.com/office/drawing/2014/main" id="{ED058E05-17A3-BF45-B0DA-D60B846DFB4B}"/>
               </a:ext>
             </a:extLst>
           </p:cNvPr>
@@ -775,7 +775,7 @@
     </p:spTree>
     <p:extLst>
       <p:ext uri="{BB962C8B-B14F-4D97-AF65-F5344CB8AC3E}">
-        <p14:creationId xmlns:p14="http://schemas.microsoft.com/office/powerpoint/2010/main" xmlns="" val="12081050"/>
+        <p14:creationId xmlns="" xmlns:p14="http://schemas.microsoft.com/office/powerpoint/2010/main" val="12081050"/>
       </p:ext>
     </p:extLst>
   </p:cSld>
@@ -807,7 +807,7 @@
           <p:cNvPr id="2" name="제목 1">
             <a:extLst>
               <a:ext uri="{FF2B5EF4-FFF2-40B4-BE49-F238E27FC236}">
-                <a16:creationId xmlns:a16="http://schemas.microsoft.com/office/drawing/2014/main" xmlns="" id="{674D90CD-0454-2C43-94B9-D70BD947A5C4}"/>
+                <a16:creationId xmlns="" xmlns:a16="http://schemas.microsoft.com/office/drawing/2014/main" id="{674D90CD-0454-2C43-94B9-D70BD947A5C4}"/>
               </a:ext>
             </a:extLst>
           </p:cNvPr>
@@ -844,7 +844,7 @@
           <p:cNvPr id="3" name="세로 텍스트 개체 틀 2">
             <a:extLst>
               <a:ext uri="{FF2B5EF4-FFF2-40B4-BE49-F238E27FC236}">
-                <a16:creationId xmlns:a16="http://schemas.microsoft.com/office/drawing/2014/main" xmlns="" id="{858A2CB1-9A70-A542-8270-D9FCD307C6A0}"/>
+                <a16:creationId xmlns="" xmlns:a16="http://schemas.microsoft.com/office/drawing/2014/main" id="{858A2CB1-9A70-A542-8270-D9FCD307C6A0}"/>
               </a:ext>
             </a:extLst>
           </p:cNvPr>
@@ -910,7 +910,7 @@
           <p:cNvPr id="4" name="날짜 개체 틀 3">
             <a:extLst>
               <a:ext uri="{FF2B5EF4-FFF2-40B4-BE49-F238E27FC236}">
-                <a16:creationId xmlns:a16="http://schemas.microsoft.com/office/drawing/2014/main" xmlns="" id="{166ECFFA-44BE-5742-8DF8-D72529A7E041}"/>
+                <a16:creationId xmlns="" xmlns:a16="http://schemas.microsoft.com/office/drawing/2014/main" id="{166ECFFA-44BE-5742-8DF8-D72529A7E041}"/>
               </a:ext>
             </a:extLst>
           </p:cNvPr>
@@ -937,7 +937,7 @@
             <a:fld id="{FE20AB6E-091C-844F-ABF9-3EF4C2336578}" type="datetimeFigureOut">
               <a:rPr kumimoji="1" lang="x-none" altLang="en-US" smtClean="0"/>
               <a:pPr/>
-              <a:t>2022-09-14</a:t>
+              <a:t>2022-09-15</a:t>
             </a:fld>
             <a:endParaRPr kumimoji="1" lang="x-none" altLang="en-US"/>
           </a:p>
@@ -948,7 +948,7 @@
           <p:cNvPr id="5" name="바닥글 개체 틀 4">
             <a:extLst>
               <a:ext uri="{FF2B5EF4-FFF2-40B4-BE49-F238E27FC236}">
-                <a16:creationId xmlns:a16="http://schemas.microsoft.com/office/drawing/2014/main" xmlns="" id="{90AA712B-F4A3-9548-8006-8C6A33136989}"/>
+                <a16:creationId xmlns="" xmlns:a16="http://schemas.microsoft.com/office/drawing/2014/main" id="{90AA712B-F4A3-9548-8006-8C6A33136989}"/>
               </a:ext>
             </a:extLst>
           </p:cNvPr>
@@ -981,7 +981,7 @@
           <p:cNvPr id="6" name="슬라이드 번호 개체 틀 5">
             <a:extLst>
               <a:ext uri="{FF2B5EF4-FFF2-40B4-BE49-F238E27FC236}">
-                <a16:creationId xmlns:a16="http://schemas.microsoft.com/office/drawing/2014/main" xmlns="" id="{E78572B2-8B03-ED42-831C-7E5F3A7C35D7}"/>
+                <a16:creationId xmlns="" xmlns:a16="http://schemas.microsoft.com/office/drawing/2014/main" id="{E78572B2-8B03-ED42-831C-7E5F3A7C35D7}"/>
               </a:ext>
             </a:extLst>
           </p:cNvPr>
@@ -1017,7 +1017,7 @@
     </p:spTree>
     <p:extLst>
       <p:ext uri="{BB962C8B-B14F-4D97-AF65-F5344CB8AC3E}">
-        <p14:creationId xmlns:p14="http://schemas.microsoft.com/office/powerpoint/2010/main" xmlns="" val="2426936385"/>
+        <p14:creationId xmlns="" xmlns:p14="http://schemas.microsoft.com/office/powerpoint/2010/main" val="2426936385"/>
       </p:ext>
     </p:extLst>
   </p:cSld>
@@ -1049,7 +1049,7 @@
           <p:cNvPr id="2" name="세로 제목 1">
             <a:extLst>
               <a:ext uri="{FF2B5EF4-FFF2-40B4-BE49-F238E27FC236}">
-                <a16:creationId xmlns:a16="http://schemas.microsoft.com/office/drawing/2014/main" xmlns="" id="{33DB958B-9F52-5047-BA9C-CCD563B56D7B}"/>
+                <a16:creationId xmlns="" xmlns:a16="http://schemas.microsoft.com/office/drawing/2014/main" id="{33DB958B-9F52-5047-BA9C-CCD563B56D7B}"/>
               </a:ext>
             </a:extLst>
           </p:cNvPr>
@@ -1086,7 +1086,7 @@
           <p:cNvPr id="3" name="세로 텍스트 개체 틀 2">
             <a:extLst>
               <a:ext uri="{FF2B5EF4-FFF2-40B4-BE49-F238E27FC236}">
-                <a16:creationId xmlns:a16="http://schemas.microsoft.com/office/drawing/2014/main" xmlns="" id="{422964C8-EE40-014B-B029-2F0B840EE9EA}"/>
+                <a16:creationId xmlns="" xmlns:a16="http://schemas.microsoft.com/office/drawing/2014/main" id="{422964C8-EE40-014B-B029-2F0B840EE9EA}"/>
               </a:ext>
             </a:extLst>
           </p:cNvPr>
@@ -1152,7 +1152,7 @@
           <p:cNvPr id="4" name="날짜 개체 틀 3">
             <a:extLst>
               <a:ext uri="{FF2B5EF4-FFF2-40B4-BE49-F238E27FC236}">
-                <a16:creationId xmlns:a16="http://schemas.microsoft.com/office/drawing/2014/main" xmlns="" id="{5B4F3365-A4A2-264C-945A-DCBA1B6E6593}"/>
+                <a16:creationId xmlns="" xmlns:a16="http://schemas.microsoft.com/office/drawing/2014/main" id="{5B4F3365-A4A2-264C-945A-DCBA1B6E6593}"/>
               </a:ext>
             </a:extLst>
           </p:cNvPr>
@@ -1179,7 +1179,7 @@
             <a:fld id="{FE20AB6E-091C-844F-ABF9-3EF4C2336578}" type="datetimeFigureOut">
               <a:rPr kumimoji="1" lang="x-none" altLang="en-US" smtClean="0"/>
               <a:pPr/>
-              <a:t>2022-09-14</a:t>
+              <a:t>2022-09-15</a:t>
             </a:fld>
             <a:endParaRPr kumimoji="1" lang="x-none" altLang="en-US"/>
           </a:p>
@@ -1190,7 +1190,7 @@
           <p:cNvPr id="5" name="바닥글 개체 틀 4">
             <a:extLst>
               <a:ext uri="{FF2B5EF4-FFF2-40B4-BE49-F238E27FC236}">
-                <a16:creationId xmlns:a16="http://schemas.microsoft.com/office/drawing/2014/main" xmlns="" id="{3A3C17BB-7479-F74C-8605-96575BDE0D82}"/>
+                <a16:creationId xmlns="" xmlns:a16="http://schemas.microsoft.com/office/drawing/2014/main" id="{3A3C17BB-7479-F74C-8605-96575BDE0D82}"/>
               </a:ext>
             </a:extLst>
           </p:cNvPr>
@@ -1223,7 +1223,7 @@
           <p:cNvPr id="6" name="슬라이드 번호 개체 틀 5">
             <a:extLst>
               <a:ext uri="{FF2B5EF4-FFF2-40B4-BE49-F238E27FC236}">
-                <a16:creationId xmlns:a16="http://schemas.microsoft.com/office/drawing/2014/main" xmlns="" id="{C4511452-4FD6-374E-9D80-EE209AA3E840}"/>
+                <a16:creationId xmlns="" xmlns:a16="http://schemas.microsoft.com/office/drawing/2014/main" id="{C4511452-4FD6-374E-9D80-EE209AA3E840}"/>
               </a:ext>
             </a:extLst>
           </p:cNvPr>
@@ -1259,7 +1259,7 @@
     </p:spTree>
     <p:extLst>
       <p:ext uri="{BB962C8B-B14F-4D97-AF65-F5344CB8AC3E}">
-        <p14:creationId xmlns:p14="http://schemas.microsoft.com/office/powerpoint/2010/main" xmlns="" val="3521214391"/>
+        <p14:creationId xmlns="" xmlns:p14="http://schemas.microsoft.com/office/powerpoint/2010/main" val="3521214391"/>
       </p:ext>
     </p:extLst>
   </p:cSld>
@@ -1389,7 +1389,7 @@
             <a:fld id="{1D8BD707-D9CF-40AE-B4C6-C98DA3205C09}" type="datetimeFigureOut">
               <a:rPr lang="en-US"/>
               <a:pPr/>
-              <a:t>9/14/2022</a:t>
+              <a:t>9/15/2022</a:t>
             </a:fld>
             <a:endParaRPr lang="en-US"/>
           </a:p>
@@ -1441,7 +1441,7 @@
     </p:spTree>
     <p:extLst>
       <p:ext uri="{BB962C8B-B14F-4D97-AF65-F5344CB8AC3E}">
-        <p14:creationId xmlns:p14="http://schemas.microsoft.com/office/powerpoint/2010/main" xmlns="" val="2232792096"/>
+        <p14:creationId xmlns="" xmlns:p14="http://schemas.microsoft.com/office/powerpoint/2010/main" val="2232792096"/>
       </p:ext>
     </p:extLst>
   </p:cSld>
@@ -1473,7 +1473,7 @@
           <p:cNvPr id="2" name="제목 1">
             <a:extLst>
               <a:ext uri="{FF2B5EF4-FFF2-40B4-BE49-F238E27FC236}">
-                <a16:creationId xmlns:a16="http://schemas.microsoft.com/office/drawing/2014/main" xmlns="" id="{0013328A-F6B8-9340-A6CF-F201493A3506}"/>
+                <a16:creationId xmlns="" xmlns:a16="http://schemas.microsoft.com/office/drawing/2014/main" id="{0013328A-F6B8-9340-A6CF-F201493A3506}"/>
               </a:ext>
             </a:extLst>
           </p:cNvPr>
@@ -1510,7 +1510,7 @@
           <p:cNvPr id="3" name="내용 개체 틀 2">
             <a:extLst>
               <a:ext uri="{FF2B5EF4-FFF2-40B4-BE49-F238E27FC236}">
-                <a16:creationId xmlns:a16="http://schemas.microsoft.com/office/drawing/2014/main" xmlns="" id="{6ABED714-468C-514D-AD3B-7F3757A85B56}"/>
+                <a16:creationId xmlns="" xmlns:a16="http://schemas.microsoft.com/office/drawing/2014/main" id="{6ABED714-468C-514D-AD3B-7F3757A85B56}"/>
               </a:ext>
             </a:extLst>
           </p:cNvPr>
@@ -1576,7 +1576,7 @@
           <p:cNvPr id="9" name="바닥글 개체 틀 4">
             <a:extLst>
               <a:ext uri="{FF2B5EF4-FFF2-40B4-BE49-F238E27FC236}">
-                <a16:creationId xmlns:a16="http://schemas.microsoft.com/office/drawing/2014/main" xmlns="" id="{941514A0-0E2E-BA46-AF02-70942E3A9028}"/>
+                <a16:creationId xmlns="" xmlns:a16="http://schemas.microsoft.com/office/drawing/2014/main" id="{941514A0-0E2E-BA46-AF02-70942E3A9028}"/>
               </a:ext>
             </a:extLst>
           </p:cNvPr>
@@ -1761,7 +1761,7 @@
           <p:cNvPr id="12" name="바닥글 개체 틀 4">
             <a:extLst>
               <a:ext uri="{FF2B5EF4-FFF2-40B4-BE49-F238E27FC236}">
-                <a16:creationId xmlns:a16="http://schemas.microsoft.com/office/drawing/2014/main" xmlns="" id="{A1B7307E-0CA1-F649-9850-0C58E51E42FD}"/>
+                <a16:creationId xmlns="" xmlns:a16="http://schemas.microsoft.com/office/drawing/2014/main" id="{A1B7307E-0CA1-F649-9850-0C58E51E42FD}"/>
               </a:ext>
             </a:extLst>
           </p:cNvPr>
@@ -1908,7 +1908,7 @@
     </p:spTree>
     <p:extLst>
       <p:ext uri="{BB962C8B-B14F-4D97-AF65-F5344CB8AC3E}">
-        <p14:creationId xmlns:p14="http://schemas.microsoft.com/office/powerpoint/2010/main" xmlns="" val="1946730765"/>
+        <p14:creationId xmlns="" xmlns:p14="http://schemas.microsoft.com/office/powerpoint/2010/main" val="1946730765"/>
       </p:ext>
     </p:extLst>
   </p:cSld>
@@ -1940,7 +1940,7 @@
           <p:cNvPr id="2" name="제목 1">
             <a:extLst>
               <a:ext uri="{FF2B5EF4-FFF2-40B4-BE49-F238E27FC236}">
-                <a16:creationId xmlns:a16="http://schemas.microsoft.com/office/drawing/2014/main" xmlns="" id="{A4A4847D-5BB9-3945-B766-0EADB962F3FB}"/>
+                <a16:creationId xmlns="" xmlns:a16="http://schemas.microsoft.com/office/drawing/2014/main" id="{A4A4847D-5BB9-3945-B766-0EADB962F3FB}"/>
               </a:ext>
             </a:extLst>
           </p:cNvPr>
@@ -1981,7 +1981,7 @@
           <p:cNvPr id="3" name="텍스트 개체 틀 2">
             <a:extLst>
               <a:ext uri="{FF2B5EF4-FFF2-40B4-BE49-F238E27FC236}">
-                <a16:creationId xmlns:a16="http://schemas.microsoft.com/office/drawing/2014/main" xmlns="" id="{DA1BB496-D39C-A348-B1C7-B386FFA317AC}"/>
+                <a16:creationId xmlns="" xmlns:a16="http://schemas.microsoft.com/office/drawing/2014/main" id="{DA1BB496-D39C-A348-B1C7-B386FFA317AC}"/>
               </a:ext>
             </a:extLst>
           </p:cNvPr>
@@ -2109,7 +2109,7 @@
           <p:cNvPr id="4" name="날짜 개체 틀 3">
             <a:extLst>
               <a:ext uri="{FF2B5EF4-FFF2-40B4-BE49-F238E27FC236}">
-                <a16:creationId xmlns:a16="http://schemas.microsoft.com/office/drawing/2014/main" xmlns="" id="{CA45830F-5288-AD4A-A2E0-37872AD0746F}"/>
+                <a16:creationId xmlns="" xmlns:a16="http://schemas.microsoft.com/office/drawing/2014/main" id="{CA45830F-5288-AD4A-A2E0-37872AD0746F}"/>
               </a:ext>
             </a:extLst>
           </p:cNvPr>
@@ -2136,7 +2136,7 @@
             <a:fld id="{FE20AB6E-091C-844F-ABF9-3EF4C2336578}" type="datetimeFigureOut">
               <a:rPr kumimoji="1" lang="x-none" altLang="en-US" smtClean="0"/>
               <a:pPr/>
-              <a:t>2022-09-14</a:t>
+              <a:t>2022-09-15</a:t>
             </a:fld>
             <a:endParaRPr kumimoji="1" lang="x-none" altLang="en-US"/>
           </a:p>
@@ -2147,7 +2147,7 @@
           <p:cNvPr id="5" name="바닥글 개체 틀 4">
             <a:extLst>
               <a:ext uri="{FF2B5EF4-FFF2-40B4-BE49-F238E27FC236}">
-                <a16:creationId xmlns:a16="http://schemas.microsoft.com/office/drawing/2014/main" xmlns="" id="{08FBB8B9-4371-B547-9056-9CAD36306159}"/>
+                <a16:creationId xmlns="" xmlns:a16="http://schemas.microsoft.com/office/drawing/2014/main" id="{08FBB8B9-4371-B547-9056-9CAD36306159}"/>
               </a:ext>
             </a:extLst>
           </p:cNvPr>
@@ -2180,7 +2180,7 @@
           <p:cNvPr id="6" name="슬라이드 번호 개체 틀 5">
             <a:extLst>
               <a:ext uri="{FF2B5EF4-FFF2-40B4-BE49-F238E27FC236}">
-                <a16:creationId xmlns:a16="http://schemas.microsoft.com/office/drawing/2014/main" xmlns="" id="{E34FBC5E-9EA0-D242-A86E-C38E6481D4CF}"/>
+                <a16:creationId xmlns="" xmlns:a16="http://schemas.microsoft.com/office/drawing/2014/main" id="{E34FBC5E-9EA0-D242-A86E-C38E6481D4CF}"/>
               </a:ext>
             </a:extLst>
           </p:cNvPr>
@@ -2216,7 +2216,7 @@
     </p:spTree>
     <p:extLst>
       <p:ext uri="{BB962C8B-B14F-4D97-AF65-F5344CB8AC3E}">
-        <p14:creationId xmlns:p14="http://schemas.microsoft.com/office/powerpoint/2010/main" xmlns="" val="2729888429"/>
+        <p14:creationId xmlns="" xmlns:p14="http://schemas.microsoft.com/office/powerpoint/2010/main" val="2729888429"/>
       </p:ext>
     </p:extLst>
   </p:cSld>
@@ -2248,7 +2248,7 @@
           <p:cNvPr id="2" name="제목 1">
             <a:extLst>
               <a:ext uri="{FF2B5EF4-FFF2-40B4-BE49-F238E27FC236}">
-                <a16:creationId xmlns:a16="http://schemas.microsoft.com/office/drawing/2014/main" xmlns="" id="{D8D61643-B596-A047-9645-3B031F04BD39}"/>
+                <a16:creationId xmlns="" xmlns:a16="http://schemas.microsoft.com/office/drawing/2014/main" id="{D8D61643-B596-A047-9645-3B031F04BD39}"/>
               </a:ext>
             </a:extLst>
           </p:cNvPr>
@@ -2285,7 +2285,7 @@
           <p:cNvPr id="3" name="내용 개체 틀 2">
             <a:extLst>
               <a:ext uri="{FF2B5EF4-FFF2-40B4-BE49-F238E27FC236}">
-                <a16:creationId xmlns:a16="http://schemas.microsoft.com/office/drawing/2014/main" xmlns="" id="{D69768D8-8CB5-CE49-BE27-1A15A71433FB}"/>
+                <a16:creationId xmlns="" xmlns:a16="http://schemas.microsoft.com/office/drawing/2014/main" id="{D69768D8-8CB5-CE49-BE27-1A15A71433FB}"/>
               </a:ext>
             </a:extLst>
           </p:cNvPr>
@@ -2351,7 +2351,7 @@
           <p:cNvPr id="4" name="내용 개체 틀 3">
             <a:extLst>
               <a:ext uri="{FF2B5EF4-FFF2-40B4-BE49-F238E27FC236}">
-                <a16:creationId xmlns:a16="http://schemas.microsoft.com/office/drawing/2014/main" xmlns="" id="{382824C5-10C8-0440-AFA3-54CAE764843F}"/>
+                <a16:creationId xmlns="" xmlns:a16="http://schemas.microsoft.com/office/drawing/2014/main" id="{382824C5-10C8-0440-AFA3-54CAE764843F}"/>
               </a:ext>
             </a:extLst>
           </p:cNvPr>
@@ -2417,7 +2417,7 @@
           <p:cNvPr id="5" name="날짜 개체 틀 4">
             <a:extLst>
               <a:ext uri="{FF2B5EF4-FFF2-40B4-BE49-F238E27FC236}">
-                <a16:creationId xmlns:a16="http://schemas.microsoft.com/office/drawing/2014/main" xmlns="" id="{93E330CA-6D69-E64A-A9AB-C3B9D30EE96A}"/>
+                <a16:creationId xmlns="" xmlns:a16="http://schemas.microsoft.com/office/drawing/2014/main" id="{93E330CA-6D69-E64A-A9AB-C3B9D30EE96A}"/>
               </a:ext>
             </a:extLst>
           </p:cNvPr>
@@ -2444,7 +2444,7 @@
             <a:fld id="{FE20AB6E-091C-844F-ABF9-3EF4C2336578}" type="datetimeFigureOut">
               <a:rPr kumimoji="1" lang="x-none" altLang="en-US" smtClean="0"/>
               <a:pPr/>
-              <a:t>2022-09-14</a:t>
+              <a:t>2022-09-15</a:t>
             </a:fld>
             <a:endParaRPr kumimoji="1" lang="x-none" altLang="en-US"/>
           </a:p>
@@ -2455,7 +2455,7 @@
           <p:cNvPr id="6" name="바닥글 개체 틀 5">
             <a:extLst>
               <a:ext uri="{FF2B5EF4-FFF2-40B4-BE49-F238E27FC236}">
-                <a16:creationId xmlns:a16="http://schemas.microsoft.com/office/drawing/2014/main" xmlns="" id="{9E4499F5-CB43-7548-AE88-8913897F4021}"/>
+                <a16:creationId xmlns="" xmlns:a16="http://schemas.microsoft.com/office/drawing/2014/main" id="{9E4499F5-CB43-7548-AE88-8913897F4021}"/>
               </a:ext>
             </a:extLst>
           </p:cNvPr>
@@ -2488,7 +2488,7 @@
           <p:cNvPr id="7" name="슬라이드 번호 개체 틀 6">
             <a:extLst>
               <a:ext uri="{FF2B5EF4-FFF2-40B4-BE49-F238E27FC236}">
-                <a16:creationId xmlns:a16="http://schemas.microsoft.com/office/drawing/2014/main" xmlns="" id="{8E5C009E-C0C3-4E49-AA09-4315BA83AA05}"/>
+                <a16:creationId xmlns="" xmlns:a16="http://schemas.microsoft.com/office/drawing/2014/main" id="{8E5C009E-C0C3-4E49-AA09-4315BA83AA05}"/>
               </a:ext>
             </a:extLst>
           </p:cNvPr>
@@ -2524,7 +2524,7 @@
     </p:spTree>
     <p:extLst>
       <p:ext uri="{BB962C8B-B14F-4D97-AF65-F5344CB8AC3E}">
-        <p14:creationId xmlns:p14="http://schemas.microsoft.com/office/powerpoint/2010/main" xmlns="" val="52935017"/>
+        <p14:creationId xmlns="" xmlns:p14="http://schemas.microsoft.com/office/powerpoint/2010/main" val="52935017"/>
       </p:ext>
     </p:extLst>
   </p:cSld>
@@ -2556,7 +2556,7 @@
           <p:cNvPr id="2" name="제목 1">
             <a:extLst>
               <a:ext uri="{FF2B5EF4-FFF2-40B4-BE49-F238E27FC236}">
-                <a16:creationId xmlns:a16="http://schemas.microsoft.com/office/drawing/2014/main" xmlns="" id="{7C01811D-13C0-7D4D-97E1-55EC89D114B6}"/>
+                <a16:creationId xmlns="" xmlns:a16="http://schemas.microsoft.com/office/drawing/2014/main" id="{7C01811D-13C0-7D4D-97E1-55EC89D114B6}"/>
               </a:ext>
             </a:extLst>
           </p:cNvPr>
@@ -2593,7 +2593,7 @@
           <p:cNvPr id="3" name="텍스트 개체 틀 2">
             <a:extLst>
               <a:ext uri="{FF2B5EF4-FFF2-40B4-BE49-F238E27FC236}">
-                <a16:creationId xmlns:a16="http://schemas.microsoft.com/office/drawing/2014/main" xmlns="" id="{37C1E064-92DA-D240-923C-9AC3F2ED7E96}"/>
+                <a16:creationId xmlns="" xmlns:a16="http://schemas.microsoft.com/office/drawing/2014/main" id="{37C1E064-92DA-D240-923C-9AC3F2ED7E96}"/>
               </a:ext>
             </a:extLst>
           </p:cNvPr>
@@ -2667,7 +2667,7 @@
           <p:cNvPr id="4" name="내용 개체 틀 3">
             <a:extLst>
               <a:ext uri="{FF2B5EF4-FFF2-40B4-BE49-F238E27FC236}">
-                <a16:creationId xmlns:a16="http://schemas.microsoft.com/office/drawing/2014/main" xmlns="" id="{1E646141-444B-2445-AD00-9311E7F86375}"/>
+                <a16:creationId xmlns="" xmlns:a16="http://schemas.microsoft.com/office/drawing/2014/main" id="{1E646141-444B-2445-AD00-9311E7F86375}"/>
               </a:ext>
             </a:extLst>
           </p:cNvPr>
@@ -2733,7 +2733,7 @@
           <p:cNvPr id="5" name="텍스트 개체 틀 4">
             <a:extLst>
               <a:ext uri="{FF2B5EF4-FFF2-40B4-BE49-F238E27FC236}">
-                <a16:creationId xmlns:a16="http://schemas.microsoft.com/office/drawing/2014/main" xmlns="" id="{7DE916FB-92A2-B049-803C-C91062CAE2C7}"/>
+                <a16:creationId xmlns="" xmlns:a16="http://schemas.microsoft.com/office/drawing/2014/main" id="{7DE916FB-92A2-B049-803C-C91062CAE2C7}"/>
               </a:ext>
             </a:extLst>
           </p:cNvPr>
@@ -2807,7 +2807,7 @@
           <p:cNvPr id="6" name="내용 개체 틀 5">
             <a:extLst>
               <a:ext uri="{FF2B5EF4-FFF2-40B4-BE49-F238E27FC236}">
-                <a16:creationId xmlns:a16="http://schemas.microsoft.com/office/drawing/2014/main" xmlns="" id="{ED708E14-E7D4-9540-B3AF-3C050AE9B6E8}"/>
+                <a16:creationId xmlns="" xmlns:a16="http://schemas.microsoft.com/office/drawing/2014/main" id="{ED708E14-E7D4-9540-B3AF-3C050AE9B6E8}"/>
               </a:ext>
             </a:extLst>
           </p:cNvPr>
@@ -2873,7 +2873,7 @@
           <p:cNvPr id="7" name="날짜 개체 틀 6">
             <a:extLst>
               <a:ext uri="{FF2B5EF4-FFF2-40B4-BE49-F238E27FC236}">
-                <a16:creationId xmlns:a16="http://schemas.microsoft.com/office/drawing/2014/main" xmlns="" id="{53F67C61-BA5F-C94C-8197-B4E5CC333CA5}"/>
+                <a16:creationId xmlns="" xmlns:a16="http://schemas.microsoft.com/office/drawing/2014/main" id="{53F67C61-BA5F-C94C-8197-B4E5CC333CA5}"/>
               </a:ext>
             </a:extLst>
           </p:cNvPr>
@@ -2900,7 +2900,7 @@
             <a:fld id="{FE20AB6E-091C-844F-ABF9-3EF4C2336578}" type="datetimeFigureOut">
               <a:rPr kumimoji="1" lang="x-none" altLang="en-US" smtClean="0"/>
               <a:pPr/>
-              <a:t>2022-09-14</a:t>
+              <a:t>2022-09-15</a:t>
             </a:fld>
             <a:endParaRPr kumimoji="1" lang="x-none" altLang="en-US"/>
           </a:p>
@@ -2911,7 +2911,7 @@
           <p:cNvPr id="8" name="바닥글 개체 틀 7">
             <a:extLst>
               <a:ext uri="{FF2B5EF4-FFF2-40B4-BE49-F238E27FC236}">
-                <a16:creationId xmlns:a16="http://schemas.microsoft.com/office/drawing/2014/main" xmlns="" id="{74E93593-D556-414B-870F-070ED2DD8E7E}"/>
+                <a16:creationId xmlns="" xmlns:a16="http://schemas.microsoft.com/office/drawing/2014/main" id="{74E93593-D556-414B-870F-070ED2DD8E7E}"/>
               </a:ext>
             </a:extLst>
           </p:cNvPr>
@@ -2944,7 +2944,7 @@
           <p:cNvPr id="9" name="슬라이드 번호 개체 틀 8">
             <a:extLst>
               <a:ext uri="{FF2B5EF4-FFF2-40B4-BE49-F238E27FC236}">
-                <a16:creationId xmlns:a16="http://schemas.microsoft.com/office/drawing/2014/main" xmlns="" id="{F683A9B5-F0BA-4A4D-ADD3-94E58522F277}"/>
+                <a16:creationId xmlns="" xmlns:a16="http://schemas.microsoft.com/office/drawing/2014/main" id="{F683A9B5-F0BA-4A4D-ADD3-94E58522F277}"/>
               </a:ext>
             </a:extLst>
           </p:cNvPr>
@@ -2980,7 +2980,7 @@
     </p:spTree>
     <p:extLst>
       <p:ext uri="{BB962C8B-B14F-4D97-AF65-F5344CB8AC3E}">
-        <p14:creationId xmlns:p14="http://schemas.microsoft.com/office/powerpoint/2010/main" xmlns="" val="1098682778"/>
+        <p14:creationId xmlns="" xmlns:p14="http://schemas.microsoft.com/office/powerpoint/2010/main" val="1098682778"/>
       </p:ext>
     </p:extLst>
   </p:cSld>
@@ -3012,7 +3012,7 @@
           <p:cNvPr id="2" name="제목 1">
             <a:extLst>
               <a:ext uri="{FF2B5EF4-FFF2-40B4-BE49-F238E27FC236}">
-                <a16:creationId xmlns:a16="http://schemas.microsoft.com/office/drawing/2014/main" xmlns="" id="{6E247AC5-73FB-784E-8DED-62B507C3BE69}"/>
+                <a16:creationId xmlns="" xmlns:a16="http://schemas.microsoft.com/office/drawing/2014/main" id="{6E247AC5-73FB-784E-8DED-62B507C3BE69}"/>
               </a:ext>
             </a:extLst>
           </p:cNvPr>
@@ -3049,7 +3049,7 @@
           <p:cNvPr id="3" name="날짜 개체 틀 2">
             <a:extLst>
               <a:ext uri="{FF2B5EF4-FFF2-40B4-BE49-F238E27FC236}">
-                <a16:creationId xmlns:a16="http://schemas.microsoft.com/office/drawing/2014/main" xmlns="" id="{A02F08E0-3E03-5B48-9DFC-6EAA12453D14}"/>
+                <a16:creationId xmlns="" xmlns:a16="http://schemas.microsoft.com/office/drawing/2014/main" id="{A02F08E0-3E03-5B48-9DFC-6EAA12453D14}"/>
               </a:ext>
             </a:extLst>
           </p:cNvPr>
@@ -3076,7 +3076,7 @@
             <a:fld id="{FE20AB6E-091C-844F-ABF9-3EF4C2336578}" type="datetimeFigureOut">
               <a:rPr kumimoji="1" lang="x-none" altLang="en-US" smtClean="0"/>
               <a:pPr/>
-              <a:t>2022-09-14</a:t>
+              <a:t>2022-09-15</a:t>
             </a:fld>
             <a:endParaRPr kumimoji="1" lang="x-none" altLang="en-US"/>
           </a:p>
@@ -3087,7 +3087,7 @@
           <p:cNvPr id="4" name="바닥글 개체 틀 3">
             <a:extLst>
               <a:ext uri="{FF2B5EF4-FFF2-40B4-BE49-F238E27FC236}">
-                <a16:creationId xmlns:a16="http://schemas.microsoft.com/office/drawing/2014/main" xmlns="" id="{8DD16769-D995-5C40-89FE-F137209F49AE}"/>
+                <a16:creationId xmlns="" xmlns:a16="http://schemas.microsoft.com/office/drawing/2014/main" id="{8DD16769-D995-5C40-89FE-F137209F49AE}"/>
               </a:ext>
             </a:extLst>
           </p:cNvPr>
@@ -3120,7 +3120,7 @@
           <p:cNvPr id="5" name="슬라이드 번호 개체 틀 4">
             <a:extLst>
               <a:ext uri="{FF2B5EF4-FFF2-40B4-BE49-F238E27FC236}">
-                <a16:creationId xmlns:a16="http://schemas.microsoft.com/office/drawing/2014/main" xmlns="" id="{146A01EA-2EA0-9447-9D9E-05ADEE1939F1}"/>
+                <a16:creationId xmlns="" xmlns:a16="http://schemas.microsoft.com/office/drawing/2014/main" id="{146A01EA-2EA0-9447-9D9E-05ADEE1939F1}"/>
               </a:ext>
             </a:extLst>
           </p:cNvPr>
@@ -3156,7 +3156,7 @@
     </p:spTree>
     <p:extLst>
       <p:ext uri="{BB962C8B-B14F-4D97-AF65-F5344CB8AC3E}">
-        <p14:creationId xmlns:p14="http://schemas.microsoft.com/office/powerpoint/2010/main" xmlns="" val="1833252104"/>
+        <p14:creationId xmlns="" xmlns:p14="http://schemas.microsoft.com/office/powerpoint/2010/main" val="1833252104"/>
       </p:ext>
     </p:extLst>
   </p:cSld>
@@ -3188,7 +3188,7 @@
           <p:cNvPr id="2" name="날짜 개체 틀 1">
             <a:extLst>
               <a:ext uri="{FF2B5EF4-FFF2-40B4-BE49-F238E27FC236}">
-                <a16:creationId xmlns:a16="http://schemas.microsoft.com/office/drawing/2014/main" xmlns="" id="{55C02455-6981-B74F-8B79-6DF8073784A1}"/>
+                <a16:creationId xmlns="" xmlns:a16="http://schemas.microsoft.com/office/drawing/2014/main" id="{55C02455-6981-B74F-8B79-6DF8073784A1}"/>
               </a:ext>
             </a:extLst>
           </p:cNvPr>
@@ -3215,7 +3215,7 @@
             <a:fld id="{FE20AB6E-091C-844F-ABF9-3EF4C2336578}" type="datetimeFigureOut">
               <a:rPr kumimoji="1" lang="x-none" altLang="en-US" smtClean="0"/>
               <a:pPr/>
-              <a:t>2022-09-14</a:t>
+              <a:t>2022-09-15</a:t>
             </a:fld>
             <a:endParaRPr kumimoji="1" lang="x-none" altLang="en-US"/>
           </a:p>
@@ -3226,7 +3226,7 @@
           <p:cNvPr id="3" name="바닥글 개체 틀 2">
             <a:extLst>
               <a:ext uri="{FF2B5EF4-FFF2-40B4-BE49-F238E27FC236}">
-                <a16:creationId xmlns:a16="http://schemas.microsoft.com/office/drawing/2014/main" xmlns="" id="{51F68BC3-AA06-B646-85C0-3754C40CDDA9}"/>
+                <a16:creationId xmlns="" xmlns:a16="http://schemas.microsoft.com/office/drawing/2014/main" id="{51F68BC3-AA06-B646-85C0-3754C40CDDA9}"/>
               </a:ext>
             </a:extLst>
           </p:cNvPr>
@@ -3259,7 +3259,7 @@
           <p:cNvPr id="4" name="슬라이드 번호 개체 틀 3">
             <a:extLst>
               <a:ext uri="{FF2B5EF4-FFF2-40B4-BE49-F238E27FC236}">
-                <a16:creationId xmlns:a16="http://schemas.microsoft.com/office/drawing/2014/main" xmlns="" id="{B4CD303D-6A7D-4645-A406-F22C50CE834D}"/>
+                <a16:creationId xmlns="" xmlns:a16="http://schemas.microsoft.com/office/drawing/2014/main" id="{B4CD303D-6A7D-4645-A406-F22C50CE834D}"/>
               </a:ext>
             </a:extLst>
           </p:cNvPr>
@@ -3295,7 +3295,7 @@
     </p:spTree>
     <p:extLst>
       <p:ext uri="{BB962C8B-B14F-4D97-AF65-F5344CB8AC3E}">
-        <p14:creationId xmlns:p14="http://schemas.microsoft.com/office/powerpoint/2010/main" xmlns="" val="866168486"/>
+        <p14:creationId xmlns="" xmlns:p14="http://schemas.microsoft.com/office/powerpoint/2010/main" val="866168486"/>
       </p:ext>
     </p:extLst>
   </p:cSld>
@@ -3327,7 +3327,7 @@
           <p:cNvPr id="2" name="제목 1">
             <a:extLst>
               <a:ext uri="{FF2B5EF4-FFF2-40B4-BE49-F238E27FC236}">
-                <a16:creationId xmlns:a16="http://schemas.microsoft.com/office/drawing/2014/main" xmlns="" id="{5C55B9B3-27DD-734F-883B-BC021ABE031F}"/>
+                <a16:creationId xmlns="" xmlns:a16="http://schemas.microsoft.com/office/drawing/2014/main" id="{5C55B9B3-27DD-734F-883B-BC021ABE031F}"/>
               </a:ext>
             </a:extLst>
           </p:cNvPr>
@@ -3368,7 +3368,7 @@
           <p:cNvPr id="3" name="내용 개체 틀 2">
             <a:extLst>
               <a:ext uri="{FF2B5EF4-FFF2-40B4-BE49-F238E27FC236}">
-                <a16:creationId xmlns:a16="http://schemas.microsoft.com/office/drawing/2014/main" xmlns="" id="{3CE9FE82-CCA8-E240-AB65-75A84F9021BE}"/>
+                <a16:creationId xmlns="" xmlns:a16="http://schemas.microsoft.com/office/drawing/2014/main" id="{3CE9FE82-CCA8-E240-AB65-75A84F9021BE}"/>
               </a:ext>
             </a:extLst>
           </p:cNvPr>
@@ -3462,7 +3462,7 @@
           <p:cNvPr id="4" name="텍스트 개체 틀 3">
             <a:extLst>
               <a:ext uri="{FF2B5EF4-FFF2-40B4-BE49-F238E27FC236}">
-                <a16:creationId xmlns:a16="http://schemas.microsoft.com/office/drawing/2014/main" xmlns="" id="{4BB8436B-5FE2-1447-9EC3-BEAF9A68C39B}"/>
+                <a16:creationId xmlns="" xmlns:a16="http://schemas.microsoft.com/office/drawing/2014/main" id="{4BB8436B-5FE2-1447-9EC3-BEAF9A68C39B}"/>
               </a:ext>
             </a:extLst>
           </p:cNvPr>
@@ -3536,7 +3536,7 @@
           <p:cNvPr id="5" name="날짜 개체 틀 4">
             <a:extLst>
               <a:ext uri="{FF2B5EF4-FFF2-40B4-BE49-F238E27FC236}">
-                <a16:creationId xmlns:a16="http://schemas.microsoft.com/office/drawing/2014/main" xmlns="" id="{C9E51C8C-7C12-2245-A863-1244B7A9312C}"/>
+                <a16:creationId xmlns="" xmlns:a16="http://schemas.microsoft.com/office/drawing/2014/main" id="{C9E51C8C-7C12-2245-A863-1244B7A9312C}"/>
               </a:ext>
             </a:extLst>
           </p:cNvPr>
@@ -3563,7 +3563,7 @@
             <a:fld id="{FE20AB6E-091C-844F-ABF9-3EF4C2336578}" type="datetimeFigureOut">
               <a:rPr kumimoji="1" lang="x-none" altLang="en-US" smtClean="0"/>
               <a:pPr/>
-              <a:t>2022-09-14</a:t>
+              <a:t>2022-09-15</a:t>
             </a:fld>
             <a:endParaRPr kumimoji="1" lang="x-none" altLang="en-US"/>
           </a:p>
@@ -3574,7 +3574,7 @@
           <p:cNvPr id="6" name="바닥글 개체 틀 5">
             <a:extLst>
               <a:ext uri="{FF2B5EF4-FFF2-40B4-BE49-F238E27FC236}">
-                <a16:creationId xmlns:a16="http://schemas.microsoft.com/office/drawing/2014/main" xmlns="" id="{4782CB7C-D627-9647-8F56-B00CB9A302A4}"/>
+                <a16:creationId xmlns="" xmlns:a16="http://schemas.microsoft.com/office/drawing/2014/main" id="{4782CB7C-D627-9647-8F56-B00CB9A302A4}"/>
               </a:ext>
             </a:extLst>
           </p:cNvPr>
@@ -3607,7 +3607,7 @@
           <p:cNvPr id="7" name="슬라이드 번호 개체 틀 6">
             <a:extLst>
               <a:ext uri="{FF2B5EF4-FFF2-40B4-BE49-F238E27FC236}">
-                <a16:creationId xmlns:a16="http://schemas.microsoft.com/office/drawing/2014/main" xmlns="" id="{4CD74BA3-F423-A34B-8800-A6045769CBE1}"/>
+                <a16:creationId xmlns="" xmlns:a16="http://schemas.microsoft.com/office/drawing/2014/main" id="{4CD74BA3-F423-A34B-8800-A6045769CBE1}"/>
               </a:ext>
             </a:extLst>
           </p:cNvPr>
@@ -3643,7 +3643,7 @@
     </p:spTree>
     <p:extLst>
       <p:ext uri="{BB962C8B-B14F-4D97-AF65-F5344CB8AC3E}">
-        <p14:creationId xmlns:p14="http://schemas.microsoft.com/office/powerpoint/2010/main" xmlns="" val="1704396545"/>
+        <p14:creationId xmlns="" xmlns:p14="http://schemas.microsoft.com/office/powerpoint/2010/main" val="1704396545"/>
       </p:ext>
     </p:extLst>
   </p:cSld>
@@ -3675,7 +3675,7 @@
           <p:cNvPr id="2" name="제목 1">
             <a:extLst>
               <a:ext uri="{FF2B5EF4-FFF2-40B4-BE49-F238E27FC236}">
-                <a16:creationId xmlns:a16="http://schemas.microsoft.com/office/drawing/2014/main" xmlns="" id="{EFD7488A-CB03-5040-B573-DF2A3636CF99}"/>
+                <a16:creationId xmlns="" xmlns:a16="http://schemas.microsoft.com/office/drawing/2014/main" id="{EFD7488A-CB03-5040-B573-DF2A3636CF99}"/>
               </a:ext>
             </a:extLst>
           </p:cNvPr>
@@ -3716,7 +3716,7 @@
           <p:cNvPr id="3" name="그림 개체 틀 2">
             <a:extLst>
               <a:ext uri="{FF2B5EF4-FFF2-40B4-BE49-F238E27FC236}">
-                <a16:creationId xmlns:a16="http://schemas.microsoft.com/office/drawing/2014/main" xmlns="" id="{5E2B4E34-4F62-234A-BDDE-E603E5DE1FD3}"/>
+                <a16:creationId xmlns="" xmlns:a16="http://schemas.microsoft.com/office/drawing/2014/main" id="{5E2B4E34-4F62-234A-BDDE-E603E5DE1FD3}"/>
               </a:ext>
             </a:extLst>
           </p:cNvPr>
@@ -3786,7 +3786,7 @@
           <p:cNvPr id="4" name="텍스트 개체 틀 3">
             <a:extLst>
               <a:ext uri="{FF2B5EF4-FFF2-40B4-BE49-F238E27FC236}">
-                <a16:creationId xmlns:a16="http://schemas.microsoft.com/office/drawing/2014/main" xmlns="" id="{DFB842A2-9A9A-9849-98C1-4CF61CDA5F54}"/>
+                <a16:creationId xmlns="" xmlns:a16="http://schemas.microsoft.com/office/drawing/2014/main" id="{DFB842A2-9A9A-9849-98C1-4CF61CDA5F54}"/>
               </a:ext>
             </a:extLst>
           </p:cNvPr>
@@ -3860,7 +3860,7 @@
           <p:cNvPr id="5" name="날짜 개체 틀 4">
             <a:extLst>
               <a:ext uri="{FF2B5EF4-FFF2-40B4-BE49-F238E27FC236}">
-                <a16:creationId xmlns:a16="http://schemas.microsoft.com/office/drawing/2014/main" xmlns="" id="{A770922B-0B9C-2A42-A148-3EF917E30238}"/>
+                <a16:creationId xmlns="" xmlns:a16="http://schemas.microsoft.com/office/drawing/2014/main" id="{A770922B-0B9C-2A42-A148-3EF917E30238}"/>
               </a:ext>
             </a:extLst>
           </p:cNvPr>
@@ -3887,7 +3887,7 @@
             <a:fld id="{FE20AB6E-091C-844F-ABF9-3EF4C2336578}" type="datetimeFigureOut">
               <a:rPr kumimoji="1" lang="x-none" altLang="en-US" smtClean="0"/>
               <a:pPr/>
-              <a:t>2022-09-14</a:t>
+              <a:t>2022-09-15</a:t>
             </a:fld>
             <a:endParaRPr kumimoji="1" lang="x-none" altLang="en-US"/>
           </a:p>
@@ -3898,7 +3898,7 @@
           <p:cNvPr id="6" name="바닥글 개체 틀 5">
             <a:extLst>
               <a:ext uri="{FF2B5EF4-FFF2-40B4-BE49-F238E27FC236}">
-                <a16:creationId xmlns:a16="http://schemas.microsoft.com/office/drawing/2014/main" xmlns="" id="{B0085D61-3843-A14E-BC5B-F1CF1043A28D}"/>
+                <a16:creationId xmlns="" xmlns:a16="http://schemas.microsoft.com/office/drawing/2014/main" id="{B0085D61-3843-A14E-BC5B-F1CF1043A28D}"/>
               </a:ext>
             </a:extLst>
           </p:cNvPr>
@@ -3931,7 +3931,7 @@
           <p:cNvPr id="7" name="슬라이드 번호 개체 틀 6">
             <a:extLst>
               <a:ext uri="{FF2B5EF4-FFF2-40B4-BE49-F238E27FC236}">
-                <a16:creationId xmlns:a16="http://schemas.microsoft.com/office/drawing/2014/main" xmlns="" id="{26DEE10E-E2D4-A844-A91F-C47C62D2AA42}"/>
+                <a16:creationId xmlns="" xmlns:a16="http://schemas.microsoft.com/office/drawing/2014/main" id="{26DEE10E-E2D4-A844-A91F-C47C62D2AA42}"/>
               </a:ext>
             </a:extLst>
           </p:cNvPr>
@@ -3967,7 +3967,7 @@
     </p:spTree>
     <p:extLst>
       <p:ext uri="{BB962C8B-B14F-4D97-AF65-F5344CB8AC3E}">
-        <p14:creationId xmlns:p14="http://schemas.microsoft.com/office/powerpoint/2010/main" xmlns="" val="2148253455"/>
+        <p14:creationId xmlns="" xmlns:p14="http://schemas.microsoft.com/office/powerpoint/2010/main" val="2148253455"/>
       </p:ext>
     </p:extLst>
   </p:cSld>
@@ -4002,7 +4002,7 @@
     </p:spTree>
     <p:extLst>
       <p:ext uri="{BB962C8B-B14F-4D97-AF65-F5344CB8AC3E}">
-        <p14:creationId xmlns:p14="http://schemas.microsoft.com/office/powerpoint/2010/main" xmlns="" val="3022356027"/>
+        <p14:creationId xmlns="" xmlns:p14="http://schemas.microsoft.com/office/powerpoint/2010/main" val="3022356027"/>
       </p:ext>
     </p:extLst>
   </p:cSld>
@@ -4303,7 +4303,7 @@
   </p:txStyles>
   <p:extLst>
     <p:ext uri="{27BBF7A9-308A-43DC-89C8-2F10F3537804}">
-      <p15:sldGuideLst xmlns:p15="http://schemas.microsoft.com/office/powerpoint/2012/main" xmlns="">
+      <p15:sldGuideLst xmlns="" xmlns:p15="http://schemas.microsoft.com/office/powerpoint/2012/main">
         <p15:guide id="1" orient="horz" pos="2160" userDrawn="1">
           <p15:clr>
             <a:srgbClr val="F26B43"/>
@@ -4350,7 +4350,7 @@
           <p:cNvPr id="9" name="그룹 8">
             <a:extLst>
               <a:ext uri="{FF2B5EF4-FFF2-40B4-BE49-F238E27FC236}">
-                <a16:creationId xmlns:a16="http://schemas.microsoft.com/office/drawing/2014/main" xmlns="" id="{E16F955F-3C40-AFD3-DB99-1D7BBA9B9B6D}"/>
+                <a16:creationId xmlns="" xmlns:a16="http://schemas.microsoft.com/office/drawing/2014/main" id="{E16F955F-3C40-AFD3-DB99-1D7BBA9B9B6D}"/>
               </a:ext>
             </a:extLst>
           </p:cNvPr>
@@ -4370,7 +4370,7 @@
             <p:cNvPr id="5" name="TextBox 4">
               <a:extLst>
                 <a:ext uri="{FF2B5EF4-FFF2-40B4-BE49-F238E27FC236}">
-                  <a16:creationId xmlns:a16="http://schemas.microsoft.com/office/drawing/2014/main" xmlns="" id="{0219BB47-7F38-B841-90EA-A4A47147FDAB}"/>
+                  <a16:creationId xmlns="" xmlns:a16="http://schemas.microsoft.com/office/drawing/2014/main" id="{0219BB47-7F38-B841-90EA-A4A47147FDAB}"/>
                 </a:ext>
               </a:extLst>
             </p:cNvPr>
@@ -4419,7 +4419,7 @@
             <p:cNvPr id="8" name="그룹 7">
               <a:extLst>
                 <a:ext uri="{FF2B5EF4-FFF2-40B4-BE49-F238E27FC236}">
-                  <a16:creationId xmlns:a16="http://schemas.microsoft.com/office/drawing/2014/main" xmlns="" id="{5E0C0EAA-C17C-B910-319A-10CFE79CAA56}"/>
+                  <a16:creationId xmlns="" xmlns:a16="http://schemas.microsoft.com/office/drawing/2014/main" id="{5E0C0EAA-C17C-B910-319A-10CFE79CAA56}"/>
                 </a:ext>
               </a:extLst>
             </p:cNvPr>
@@ -4439,7 +4439,7 @@
               <p:cNvPr id="3" name="Picture 4" descr="한양대학교 - 나무위키">
                 <a:extLst>
                   <a:ext uri="{FF2B5EF4-FFF2-40B4-BE49-F238E27FC236}">
-                    <a16:creationId xmlns:a16="http://schemas.microsoft.com/office/drawing/2014/main" xmlns="" id="{CB018ED8-8E8F-772C-1103-AA96C93C22C2}"/>
+                    <a16:creationId xmlns="" xmlns:a16="http://schemas.microsoft.com/office/drawing/2014/main" id="{CB018ED8-8E8F-772C-1103-AA96C93C22C2}"/>
                   </a:ext>
                 </a:extLst>
               </p:cNvPr>
@@ -4452,7 +4452,7 @@
               <a:blip r:embed="rId2">
                 <a:extLst>
                   <a:ext uri="{28A0092B-C50C-407E-A947-70E740481C1C}">
-                    <a14:useLocalDpi xmlns:a14="http://schemas.microsoft.com/office/drawing/2010/main" xmlns="" val="0"/>
+                    <a14:useLocalDpi xmlns="" xmlns:a14="http://schemas.microsoft.com/office/drawing/2010/main" val="0"/>
                   </a:ext>
                 </a:extLst>
               </a:blip>
@@ -4472,7 +4472,7 @@
               <a:noFill/>
               <a:extLst>
                 <a:ext uri="{909E8E84-426E-40DD-AFC4-6F175D3DCCD1}">
-                  <a14:hiddenFill xmlns:a14="http://schemas.microsoft.com/office/drawing/2010/main" xmlns="">
+                  <a14:hiddenFill xmlns="" xmlns:a14="http://schemas.microsoft.com/office/drawing/2010/main">
                     <a:solidFill>
                       <a:srgbClr val="FFFFFF"/>
                     </a:solidFill>
@@ -4486,7 +4486,7 @@
               <p:cNvPr id="4" name="Picture 2">
                 <a:extLst>
                   <a:ext uri="{FF2B5EF4-FFF2-40B4-BE49-F238E27FC236}">
-                    <a16:creationId xmlns:a16="http://schemas.microsoft.com/office/drawing/2014/main" xmlns="" id="{A0D566A1-AF21-73C8-46C4-20913AA4D44E}"/>
+                    <a16:creationId xmlns="" xmlns:a16="http://schemas.microsoft.com/office/drawing/2014/main" id="{A0D566A1-AF21-73C8-46C4-20913AA4D44E}"/>
                   </a:ext>
                 </a:extLst>
               </p:cNvPr>
@@ -4499,7 +4499,7 @@
               <a:blip r:embed="rId3">
                 <a:extLst>
                   <a:ext uri="{28A0092B-C50C-407E-A947-70E740481C1C}">
-                    <a14:useLocalDpi xmlns:a14="http://schemas.microsoft.com/office/drawing/2010/main" xmlns="" val="0"/>
+                    <a14:useLocalDpi xmlns="" xmlns:a14="http://schemas.microsoft.com/office/drawing/2010/main" val="0"/>
                   </a:ext>
                 </a:extLst>
               </a:blip>
@@ -4519,7 +4519,7 @@
               <a:noFill/>
               <a:extLst>
                 <a:ext uri="{909E8E84-426E-40DD-AFC4-6F175D3DCCD1}">
-                  <a14:hiddenFill xmlns:a14="http://schemas.microsoft.com/office/drawing/2010/main" xmlns="">
+                  <a14:hiddenFill xmlns="" xmlns:a14="http://schemas.microsoft.com/office/drawing/2010/main">
                     <a:solidFill>
                       <a:srgbClr val="FFFFFF"/>
                     </a:solidFill>
@@ -4533,7 +4533,7 @@
               <p:cNvPr id="6" name="직선 연결선 5">
                 <a:extLst>
                   <a:ext uri="{FF2B5EF4-FFF2-40B4-BE49-F238E27FC236}">
-                    <a16:creationId xmlns:a16="http://schemas.microsoft.com/office/drawing/2014/main" xmlns="" id="{7D8A18A1-B4B2-C8D4-D8CF-4FEFDACCE6C6}"/>
+                    <a16:creationId xmlns="" xmlns:a16="http://schemas.microsoft.com/office/drawing/2014/main" id="{7D8A18A1-B4B2-C8D4-D8CF-4FEFDACCE6C6}"/>
                   </a:ext>
                 </a:extLst>
               </p:cNvPr>
@@ -4574,7 +4574,7 @@
               <p:cNvPr id="7" name="그림 6" descr="텍스트, 표지판, 어두운이(가) 표시된 사진&#10;&#10;자동 생성된 설명">
                 <a:extLst>
                   <a:ext uri="{FF2B5EF4-FFF2-40B4-BE49-F238E27FC236}">
-                    <a16:creationId xmlns:a16="http://schemas.microsoft.com/office/drawing/2014/main" xmlns="" id="{86C06051-5B01-6602-2822-6BC0E7FA657F}"/>
+                    <a16:creationId xmlns="" xmlns:a16="http://schemas.microsoft.com/office/drawing/2014/main" id="{86C06051-5B01-6602-2822-6BC0E7FA657F}"/>
                   </a:ext>
                 </a:extLst>
               </p:cNvPr>
@@ -4615,7 +4615,7 @@
           <p:cNvPr id="10" name="TextBox 9">
             <a:extLst>
               <a:ext uri="{FF2B5EF4-FFF2-40B4-BE49-F238E27FC236}">
-                <a16:creationId xmlns:a16="http://schemas.microsoft.com/office/drawing/2014/main" xmlns="" id="{347A1722-EE0E-2F9A-3CE3-1F731703D4E6}"/>
+                <a16:creationId xmlns="" xmlns:a16="http://schemas.microsoft.com/office/drawing/2014/main" id="{347A1722-EE0E-2F9A-3CE3-1F731703D4E6}"/>
               </a:ext>
             </a:extLst>
           </p:cNvPr>
@@ -4863,7 +4863,7 @@
     </p:spTree>
     <p:extLst>
       <p:ext uri="{BB962C8B-B14F-4D97-AF65-F5344CB8AC3E}">
-        <p14:creationId xmlns:p14="http://schemas.microsoft.com/office/powerpoint/2010/main" xmlns="" val="1827450347"/>
+        <p14:creationId xmlns="" xmlns:p14="http://schemas.microsoft.com/office/powerpoint/2010/main" val="1827450347"/>
       </p:ext>
     </p:extLst>
   </p:cSld>
@@ -4895,7 +4895,7 @@
           <p:cNvPr id="4" name="TextBox 3">
             <a:extLst>
               <a:ext uri="{FF2B5EF4-FFF2-40B4-BE49-F238E27FC236}">
-                <a16:creationId xmlns:a16="http://schemas.microsoft.com/office/drawing/2014/main" xmlns="" id="{553A531E-0264-474E-80E1-4D6EC51A9F73}"/>
+                <a16:creationId xmlns="" xmlns:a16="http://schemas.microsoft.com/office/drawing/2014/main" id="{553A531E-0264-474E-80E1-4D6EC51A9F73}"/>
               </a:ext>
             </a:extLst>
           </p:cNvPr>
@@ -4943,7 +4943,7 @@
           <p:cNvPr id="16" name="TextBox 15">
             <a:extLst>
               <a:ext uri="{FF2B5EF4-FFF2-40B4-BE49-F238E27FC236}">
-                <a16:creationId xmlns:a16="http://schemas.microsoft.com/office/drawing/2014/main" xmlns="" id="{66F1A837-3EF0-CC4C-9E70-66BA9C46692F}"/>
+                <a16:creationId xmlns="" xmlns:a16="http://schemas.microsoft.com/office/drawing/2014/main" id="{66F1A837-3EF0-CC4C-9E70-66BA9C46692F}"/>
               </a:ext>
             </a:extLst>
           </p:cNvPr>
@@ -5171,7 +5171,7 @@
               <a:t>3. </a:t>
             </a:r>
             <a:r>
-              <a:rPr kumimoji="1" lang="ko-KR" altLang="en-US" sz="2400" dirty="0" smtClean="0">
+              <a:rPr kumimoji="1" lang="ko-KR" altLang="en-US" sz="2400" smtClean="0">
                 <a:solidFill>
                   <a:schemeClr val="tx1">
                     <a:lumMod val="85000"/>
@@ -5181,7 +5181,7 @@
                 <a:latin typeface="210 옴니고딕 030" panose="02020603020101020101" pitchFamily="18" charset="-127"/>
                 <a:ea typeface="210 옴니고딕 030" panose="02020603020101020101" pitchFamily="18" charset="-127"/>
               </a:rPr>
-              <a:t>특허관련보고사항</a:t>
+              <a:t>특허관련 보고사항</a:t>
             </a:r>
             <a:endParaRPr kumimoji="1" lang="en-US" altLang="ko-KR" sz="2400" dirty="0" smtClean="0">
               <a:solidFill>
@@ -5259,7 +5259,7 @@
     </p:spTree>
     <p:extLst>
       <p:ext uri="{BB962C8B-B14F-4D97-AF65-F5344CB8AC3E}">
-        <p14:creationId xmlns:p14="http://schemas.microsoft.com/office/powerpoint/2010/main" xmlns="" val="4104666055"/>
+        <p14:creationId xmlns="" xmlns:p14="http://schemas.microsoft.com/office/powerpoint/2010/main" val="4104666055"/>
       </p:ext>
     </p:extLst>
   </p:cSld>
@@ -5291,7 +5291,7 @@
           <p:cNvPr id="20" name="TextBox 19">
             <a:extLst>
               <a:ext uri="{FF2B5EF4-FFF2-40B4-BE49-F238E27FC236}">
-                <a16:creationId xmlns:a16="http://schemas.microsoft.com/office/drawing/2014/main" xmlns="" id="{BB1F688A-EECA-AD4B-9974-52A755017E57}"/>
+                <a16:creationId xmlns="" xmlns:a16="http://schemas.microsoft.com/office/drawing/2014/main" id="{BB1F688A-EECA-AD4B-9974-52A755017E57}"/>
               </a:ext>
             </a:extLst>
           </p:cNvPr>
@@ -5434,7 +5434,7 @@
           <p:cNvPr id="53" name="TextBox 52">
             <a:extLst>
               <a:ext uri="{FF2B5EF4-FFF2-40B4-BE49-F238E27FC236}">
-                <a16:creationId xmlns:a16="http://schemas.microsoft.com/office/drawing/2014/main" xmlns="" id="{46063DD2-9B38-F147-A0DC-464FBEA0D179}"/>
+                <a16:creationId xmlns="" xmlns:a16="http://schemas.microsoft.com/office/drawing/2014/main" id="{46063DD2-9B38-F147-A0DC-464FBEA0D179}"/>
               </a:ext>
             </a:extLst>
           </p:cNvPr>
@@ -5523,7 +5523,7 @@
           <p:cNvPr id="10" name="TextBox 9">
             <a:extLst>
               <a:ext uri="{FF2B5EF4-FFF2-40B4-BE49-F238E27FC236}">
-                <a16:creationId xmlns:a16="http://schemas.microsoft.com/office/drawing/2014/main" xmlns="" id="{66F1A837-3EF0-CC4C-9E70-66BA9C46692F}"/>
+                <a16:creationId xmlns="" xmlns:a16="http://schemas.microsoft.com/office/drawing/2014/main" id="{66F1A837-3EF0-CC4C-9E70-66BA9C46692F}"/>
               </a:ext>
             </a:extLst>
           </p:cNvPr>
@@ -5577,20 +5577,7 @@
                 <a:latin typeface="210 옴니고딕 030" panose="02020603020101020101" pitchFamily="18" charset="-127"/>
                 <a:ea typeface="210 옴니고딕 030" panose="02020603020101020101" pitchFamily="18" charset="-127"/>
               </a:rPr>
-              <a:t> </a:t>
-            </a:r>
-            <a:r>
-              <a:rPr kumimoji="1" lang="ko-KR" altLang="en-US" sz="2400" dirty="0" smtClean="0">
-                <a:solidFill>
-                  <a:schemeClr val="tx1">
-                    <a:lumMod val="85000"/>
-                    <a:lumOff val="15000"/>
-                  </a:schemeClr>
-                </a:solidFill>
-                <a:latin typeface="210 옴니고딕 030" panose="02020603020101020101" pitchFamily="18" charset="-127"/>
-                <a:ea typeface="210 옴니고딕 030" panose="02020603020101020101" pitchFamily="18" charset="-127"/>
-              </a:rPr>
-              <a:t>기반 </a:t>
+              <a:t> 기반 </a:t>
             </a:r>
             <a:r>
               <a:rPr kumimoji="1" lang="en-US" altLang="ko-KR" sz="2400" dirty="0" smtClean="0">
@@ -5660,7 +5647,7 @@
     </p:spTree>
     <p:extLst>
       <p:ext uri="{BB962C8B-B14F-4D97-AF65-F5344CB8AC3E}">
-        <p14:creationId xmlns:p14="http://schemas.microsoft.com/office/powerpoint/2010/main" xmlns="" val="1062904964"/>
+        <p14:creationId xmlns="" xmlns:p14="http://schemas.microsoft.com/office/powerpoint/2010/main" val="1062904964"/>
       </p:ext>
     </p:extLst>
   </p:cSld>
@@ -5692,7 +5679,7 @@
           <p:cNvPr id="20" name="TextBox 19">
             <a:extLst>
               <a:ext uri="{FF2B5EF4-FFF2-40B4-BE49-F238E27FC236}">
-                <a16:creationId xmlns:a16="http://schemas.microsoft.com/office/drawing/2014/main" xmlns="" id="{BB1F688A-EECA-AD4B-9974-52A755017E57}"/>
+                <a16:creationId xmlns="" xmlns:a16="http://schemas.microsoft.com/office/drawing/2014/main" id="{BB1F688A-EECA-AD4B-9974-52A755017E57}"/>
               </a:ext>
             </a:extLst>
           </p:cNvPr>
@@ -5728,17 +5715,7 @@
                 <a:latin typeface="Noto Sans CJK KR Bold" panose="020B0500000000000000" pitchFamily="34" charset="-128"/>
                 <a:ea typeface="Noto Sans CJK KR Bold" panose="020B0500000000000000" pitchFamily="34" charset="-128"/>
               </a:rPr>
-              <a:t>1</a:t>
-            </a:r>
-            <a:r>
-              <a:rPr kumimoji="1" lang="en-US" altLang="ko-KR" sz="2400" b="1" dirty="0" smtClean="0">
-                <a:solidFill>
-                  <a:srgbClr val="009D4F"/>
-                </a:solidFill>
-                <a:latin typeface="Noto Sans CJK KR Bold" panose="020B0500000000000000" pitchFamily="34" charset="-128"/>
-                <a:ea typeface="Noto Sans CJK KR Bold" panose="020B0500000000000000" pitchFamily="34" charset="-128"/>
-              </a:rPr>
-              <a:t>. </a:t>
+              <a:t>1. </a:t>
             </a:r>
             <a:r>
               <a:rPr kumimoji="1" lang="en-US" altLang="ko-KR" sz="2400" b="1" dirty="0" err="1" smtClean="0">
@@ -5845,7 +5822,7 @@
           <p:cNvPr id="6" name="TextBox 5">
             <a:extLst>
               <a:ext uri="{FF2B5EF4-FFF2-40B4-BE49-F238E27FC236}">
-                <a16:creationId xmlns:a16="http://schemas.microsoft.com/office/drawing/2014/main" xmlns="" id="{66F1A837-3EF0-CC4C-9E70-66BA9C46692F}"/>
+                <a16:creationId xmlns="" xmlns:a16="http://schemas.microsoft.com/office/drawing/2014/main" id="{66F1A837-3EF0-CC4C-9E70-66BA9C46692F}"/>
               </a:ext>
             </a:extLst>
           </p:cNvPr>
@@ -6378,7 +6355,7 @@
     </p:spTree>
     <p:extLst>
       <p:ext uri="{BB962C8B-B14F-4D97-AF65-F5344CB8AC3E}">
-        <p14:creationId xmlns:p14="http://schemas.microsoft.com/office/powerpoint/2010/main" xmlns="" val="1062904964"/>
+        <p14:creationId xmlns="" xmlns:p14="http://schemas.microsoft.com/office/powerpoint/2010/main" val="1062904964"/>
       </p:ext>
     </p:extLst>
   </p:cSld>
@@ -6410,7 +6387,7 @@
           <p:cNvPr id="20" name="TextBox 19">
             <a:extLst>
               <a:ext uri="{FF2B5EF4-FFF2-40B4-BE49-F238E27FC236}">
-                <a16:creationId xmlns:a16="http://schemas.microsoft.com/office/drawing/2014/main" xmlns="" id="{BB1F688A-EECA-AD4B-9974-52A755017E57}"/>
+                <a16:creationId xmlns="" xmlns:a16="http://schemas.microsoft.com/office/drawing/2014/main" id="{BB1F688A-EECA-AD4B-9974-52A755017E57}"/>
               </a:ext>
             </a:extLst>
           </p:cNvPr>
@@ -6543,7 +6520,7 @@
           <p:cNvPr id="53" name="TextBox 52">
             <a:extLst>
               <a:ext uri="{FF2B5EF4-FFF2-40B4-BE49-F238E27FC236}">
-                <a16:creationId xmlns:a16="http://schemas.microsoft.com/office/drawing/2014/main" xmlns="" id="{46063DD2-9B38-F147-A0DC-464FBEA0D179}"/>
+                <a16:creationId xmlns="" xmlns:a16="http://schemas.microsoft.com/office/drawing/2014/main" id="{46063DD2-9B38-F147-A0DC-464FBEA0D179}"/>
               </a:ext>
             </a:extLst>
           </p:cNvPr>
@@ -6605,17 +6582,7 @@
                 <a:latin typeface="Noto Sans CJK KR Regular" panose="020B0500000000000000" pitchFamily="34" charset="-128"/>
                 <a:ea typeface="Noto Sans CJK KR Regular" panose="020B0500000000000000" pitchFamily="34" charset="-128"/>
               </a:rPr>
-              <a:t>1</a:t>
-            </a:r>
-            <a:r>
-              <a:rPr kumimoji="1" lang="en-US" altLang="ko-KR" sz="2000" b="1" dirty="0" smtClean="0">
-                <a:solidFill>
-                  <a:srgbClr val="009D4F"/>
-                </a:solidFill>
-                <a:latin typeface="Noto Sans CJK KR Regular" panose="020B0500000000000000" pitchFamily="34" charset="-128"/>
-                <a:ea typeface="Noto Sans CJK KR Regular" panose="020B0500000000000000" pitchFamily="34" charset="-128"/>
-              </a:rPr>
-              <a:t>.    </a:t>
+              <a:t>1.    </a:t>
             </a:r>
             <a:r>
               <a:rPr kumimoji="1" lang="ko-KR" altLang="en-US" sz="2000" b="1" dirty="0" smtClean="0">
@@ -6685,17 +6652,7 @@
                 <a:latin typeface="Noto Sans CJK KR Regular" panose="020B0500000000000000" pitchFamily="34" charset="-128"/>
                 <a:ea typeface="Noto Sans CJK KR Regular" panose="020B0500000000000000" pitchFamily="34" charset="-128"/>
               </a:rPr>
-              <a:t>주간 정기미팅</a:t>
-            </a:r>
-            <a:r>
-              <a:rPr kumimoji="1" lang="ko-KR" altLang="en-US" sz="2000" b="1" dirty="0" smtClean="0">
-                <a:solidFill>
-                  <a:srgbClr val="009D4F"/>
-                </a:solidFill>
-                <a:latin typeface="Noto Sans CJK KR Regular" panose="020B0500000000000000" pitchFamily="34" charset="-128"/>
-                <a:ea typeface="Noto Sans CJK KR Regular" panose="020B0500000000000000" pitchFamily="34" charset="-128"/>
-              </a:rPr>
-              <a:t> 후 만나서 이야기 하려고 했으나</a:t>
+              <a:t>주간 정기미팅 후 만나서 이야기 하려고 했으나</a:t>
             </a:r>
             <a:r>
               <a:rPr kumimoji="1" lang="en-US" altLang="ko-KR" sz="2000" b="1" dirty="0" smtClean="0">
@@ -6913,7 +6870,7 @@
     </p:spTree>
     <p:extLst>
       <p:ext uri="{BB962C8B-B14F-4D97-AF65-F5344CB8AC3E}">
-        <p14:creationId xmlns:p14="http://schemas.microsoft.com/office/powerpoint/2010/main" xmlns="" val="1062904964"/>
+        <p14:creationId xmlns="" xmlns:p14="http://schemas.microsoft.com/office/powerpoint/2010/main" val="1062904964"/>
       </p:ext>
     </p:extLst>
   </p:cSld>
@@ -6945,7 +6902,7 @@
           <p:cNvPr id="20" name="TextBox 19">
             <a:extLst>
               <a:ext uri="{FF2B5EF4-FFF2-40B4-BE49-F238E27FC236}">
-                <a16:creationId xmlns:a16="http://schemas.microsoft.com/office/drawing/2014/main" xmlns="" id="{BB1F688A-EECA-AD4B-9974-52A755017E57}"/>
+                <a16:creationId xmlns="" xmlns:a16="http://schemas.microsoft.com/office/drawing/2014/main" id="{BB1F688A-EECA-AD4B-9974-52A755017E57}"/>
               </a:ext>
             </a:extLst>
           </p:cNvPr>
@@ -7092,7 +7049,7 @@
     </p:spTree>
     <p:extLst>
       <p:ext uri="{BB962C8B-B14F-4D97-AF65-F5344CB8AC3E}">
-        <p14:creationId xmlns:p14="http://schemas.microsoft.com/office/powerpoint/2010/main" xmlns="" val="1062904964"/>
+        <p14:creationId xmlns="" xmlns:p14="http://schemas.microsoft.com/office/powerpoint/2010/main" val="1062904964"/>
       </p:ext>
     </p:extLst>
   </p:cSld>
@@ -7124,7 +7081,7 @@
           <p:cNvPr id="20" name="TextBox 19">
             <a:extLst>
               <a:ext uri="{FF2B5EF4-FFF2-40B4-BE49-F238E27FC236}">
-                <a16:creationId xmlns:a16="http://schemas.microsoft.com/office/drawing/2014/main" xmlns="" id="{BB1F688A-EECA-AD4B-9974-52A755017E57}"/>
+                <a16:creationId xmlns="" xmlns:a16="http://schemas.microsoft.com/office/drawing/2014/main" id="{BB1F688A-EECA-AD4B-9974-52A755017E57}"/>
               </a:ext>
             </a:extLst>
           </p:cNvPr>
@@ -7187,7 +7144,7 @@
           <p:cNvPr id="5" name="TextBox 4">
             <a:extLst>
               <a:ext uri="{FF2B5EF4-FFF2-40B4-BE49-F238E27FC236}">
-                <a16:creationId xmlns:a16="http://schemas.microsoft.com/office/drawing/2014/main" xmlns="" id="{46063DD2-9B38-F147-A0DC-464FBEA0D179}"/>
+                <a16:creationId xmlns="" xmlns:a16="http://schemas.microsoft.com/office/drawing/2014/main" id="{46063DD2-9B38-F147-A0DC-464FBEA0D179}"/>
               </a:ext>
             </a:extLst>
           </p:cNvPr>
@@ -7280,17 +7237,7 @@
                 <a:latin typeface="Noto Sans CJK KR Regular" panose="020B0500000000000000" pitchFamily="34" charset="-128"/>
                 <a:ea typeface="Noto Sans CJK KR Regular" panose="020B0500000000000000" pitchFamily="34" charset="-128"/>
               </a:rPr>
-              <a:t> </a:t>
-            </a:r>
-            <a:r>
-              <a:rPr kumimoji="1" lang="en-US" altLang="ko-KR" sz="2000" b="1" dirty="0" smtClean="0">
-                <a:solidFill>
-                  <a:srgbClr val="009D4F"/>
-                </a:solidFill>
-                <a:latin typeface="Noto Sans CJK KR Regular" panose="020B0500000000000000" pitchFamily="34" charset="-128"/>
-                <a:ea typeface="Noto Sans CJK KR Regular" panose="020B0500000000000000" pitchFamily="34" charset="-128"/>
-              </a:rPr>
-              <a:t>     </a:t>
+              <a:t>      </a:t>
             </a:r>
             <a:r>
               <a:rPr kumimoji="1" lang="ko-KR" altLang="en-US" sz="2000" b="1" dirty="0" smtClean="0">
@@ -7572,7 +7519,7 @@
     </p:spTree>
     <p:extLst>
       <p:ext uri="{BB962C8B-B14F-4D97-AF65-F5344CB8AC3E}">
-        <p14:creationId xmlns:p14="http://schemas.microsoft.com/office/powerpoint/2010/main" xmlns="" val="1062904964"/>
+        <p14:creationId xmlns="" xmlns:p14="http://schemas.microsoft.com/office/powerpoint/2010/main" val="1062904964"/>
       </p:ext>
     </p:extLst>
   </p:cSld>
@@ -7604,7 +7551,7 @@
           <p:cNvPr id="20" name="TextBox 19">
             <a:extLst>
               <a:ext uri="{FF2B5EF4-FFF2-40B4-BE49-F238E27FC236}">
-                <a16:creationId xmlns:a16="http://schemas.microsoft.com/office/drawing/2014/main" xmlns="" id="{BB1F688A-EECA-AD4B-9974-52A755017E57}"/>
+                <a16:creationId xmlns="" xmlns:a16="http://schemas.microsoft.com/office/drawing/2014/main" id="{BB1F688A-EECA-AD4B-9974-52A755017E57}"/>
               </a:ext>
             </a:extLst>
           </p:cNvPr>
@@ -7667,7 +7614,7 @@
           <p:cNvPr id="5" name="TextBox 4">
             <a:extLst>
               <a:ext uri="{FF2B5EF4-FFF2-40B4-BE49-F238E27FC236}">
-                <a16:creationId xmlns:a16="http://schemas.microsoft.com/office/drawing/2014/main" xmlns="" id="{46063DD2-9B38-F147-A0DC-464FBEA0D179}"/>
+                <a16:creationId xmlns="" xmlns:a16="http://schemas.microsoft.com/office/drawing/2014/main" id="{46063DD2-9B38-F147-A0DC-464FBEA0D179}"/>
               </a:ext>
             </a:extLst>
           </p:cNvPr>
@@ -7804,7 +7751,7 @@
     </p:spTree>
     <p:extLst>
       <p:ext uri="{BB962C8B-B14F-4D97-AF65-F5344CB8AC3E}">
-        <p14:creationId xmlns:p14="http://schemas.microsoft.com/office/powerpoint/2010/main" xmlns="" val="1062904964"/>
+        <p14:creationId xmlns="" xmlns:p14="http://schemas.microsoft.com/office/powerpoint/2010/main" val="1062904964"/>
       </p:ext>
     </p:extLst>
   </p:cSld>
@@ -7896,7 +7843,7 @@
           <p:cNvPr id="5" name="그림 4" descr="텍스트, 표지판, 어두운이(가) 표시된 사진&#10;&#10;자동 생성된 설명">
             <a:extLst>
               <a:ext uri="{FF2B5EF4-FFF2-40B4-BE49-F238E27FC236}">
-                <a16:creationId xmlns:a16="http://schemas.microsoft.com/office/drawing/2014/main" xmlns="" id="{99DB973B-8F31-454D-965E-8D3C8A77EF2C}"/>
+                <a16:creationId xmlns="" xmlns:a16="http://schemas.microsoft.com/office/drawing/2014/main" id="{99DB973B-8F31-454D-965E-8D3C8A77EF2C}"/>
               </a:ext>
             </a:extLst>
           </p:cNvPr>
@@ -7926,7 +7873,7 @@
           <p:cNvPr id="6" name="Picture 2">
             <a:extLst>
               <a:ext uri="{FF2B5EF4-FFF2-40B4-BE49-F238E27FC236}">
-                <a16:creationId xmlns:a16="http://schemas.microsoft.com/office/drawing/2014/main" xmlns="" id="{E331DF8F-51A3-D3C4-B811-DFBF2677D596}"/>
+                <a16:creationId xmlns="" xmlns:a16="http://schemas.microsoft.com/office/drawing/2014/main" id="{E331DF8F-51A3-D3C4-B811-DFBF2677D596}"/>
               </a:ext>
             </a:extLst>
           </p:cNvPr>
@@ -7939,7 +7886,7 @@
           <a:blip r:embed="rId3">
             <a:extLst>
               <a:ext uri="{BEBA8EAE-BF5A-486C-A8C5-ECC9F3942E4B}">
-                <a14:imgProps xmlns:a14="http://schemas.microsoft.com/office/drawing/2010/main" xmlns="">
+                <a14:imgProps xmlns="" xmlns:a14="http://schemas.microsoft.com/office/drawing/2010/main">
                   <a14:imgLayer r:embed="rId4">
                     <a14:imgEffect>
                       <a14:saturation sat="96000"/>
@@ -7951,7 +7898,7 @@
                 </a14:imgProps>
               </a:ext>
               <a:ext uri="{28A0092B-C50C-407E-A947-70E740481C1C}">
-                <a14:useLocalDpi xmlns:a14="http://schemas.microsoft.com/office/drawing/2010/main" xmlns="" val="0"/>
+                <a14:useLocalDpi xmlns="" xmlns:a14="http://schemas.microsoft.com/office/drawing/2010/main" val="0"/>
               </a:ext>
             </a:extLst>
           </a:blip>
@@ -7971,7 +7918,7 @@
           <a:noFill/>
           <a:extLst>
             <a:ext uri="{909E8E84-426E-40DD-AFC4-6F175D3DCCD1}">
-              <a14:hiddenFill xmlns:a14="http://schemas.microsoft.com/office/drawing/2010/main" xmlns="">
+              <a14:hiddenFill xmlns="" xmlns:a14="http://schemas.microsoft.com/office/drawing/2010/main">
                 <a:solidFill>
                   <a:srgbClr val="FFFFFF"/>
                 </a:solidFill>
@@ -8277,7 +8224,7 @@
   <a:extraClrSchemeLst/>
   <a:extLst>
     <a:ext uri="{05A4C25C-085E-4340-85A3-A5531E510DB2}">
-      <thm15:themeFamily xmlns:thm15="http://schemas.microsoft.com/office/thememl/2012/main" xmlns="" name="Office Theme" id="{62F939B6-93AF-4DB8-9C6B-D6C7DFDC589F}" vid="{4A3C46E8-61CC-4603-A589-7422A47A8E4A}"/>
+      <thm15:themeFamily xmlns="" xmlns:thm15="http://schemas.microsoft.com/office/thememl/2012/main" name="Office Theme" id="{62F939B6-93AF-4DB8-9C6B-D6C7DFDC589F}" vid="{4A3C46E8-61CC-4603-A589-7422A47A8E4A}"/>
     </a:ext>
   </a:extLst>
 </a:theme>
@@ -8572,7 +8519,7 @@
   <a:extraClrSchemeLst/>
   <a:extLst>
     <a:ext uri="{05A4C25C-085E-4340-85A3-A5531E510DB2}">
-      <thm15:themeFamily xmlns:thm15="http://schemas.microsoft.com/office/thememl/2012/main" xmlns="" name="Office Theme" id="{62F939B6-93AF-4DB8-9C6B-D6C7DFDC589F}" vid="{4A3C46E8-61CC-4603-A589-7422A47A8E4A}"/>
+      <thm15:themeFamily xmlns="" xmlns:thm15="http://schemas.microsoft.com/office/thememl/2012/main" name="Office Theme" id="{62F939B6-93AF-4DB8-9C6B-D6C7DFDC589F}" vid="{4A3C46E8-61CC-4603-A589-7422A47A8E4A}"/>
     </a:ext>
   </a:extLst>
 </a:theme>
